--- a/Tuber Simulator.pptx
+++ b/Tuber Simulator.pptx
@@ -19,6 +19,10 @@
     <p:sldId id="267" r:id="rId13"/>
     <p:sldId id="268" r:id="rId14"/>
     <p:sldId id="269" r:id="rId15"/>
+    <p:sldId id="270" r:id="rId16"/>
+    <p:sldId id="272" r:id="rId17"/>
+    <p:sldId id="273" r:id="rId18"/>
+    <p:sldId id="271" r:id="rId19"/>
   </p:sldIdLst>
   <p:sldSz cx="12192000" cy="6858000"/>
   <p:notesSz cx="6858000" cy="9144000"/>
@@ -117,7 +121,38 @@
       </a:defRPr>
     </a:lvl9pPr>
   </p:defaultTextStyle>
+  <p:extLst>
+    <p:ext uri="{EFAFB233-063F-42B5-8137-9DF3F51BA10A}">
+      <p15:sldGuideLst xmlns:p15="http://schemas.microsoft.com/office/powerpoint/2012/main"/>
+    </p:ext>
+  </p:extLst>
 </p:presentation>
+</file>
+
+<file path=ppt/commentAuthors.xml><?xml version="1.0" encoding="utf-8"?>
+<p:cmAuthorLst xmlns:a="http://schemas.openxmlformats.org/drawingml/2006/main" xmlns:r="http://schemas.openxmlformats.org/officeDocument/2006/relationships" xmlns:p="http://schemas.openxmlformats.org/presentationml/2006/main">
+  <p:cmAuthor id="1" name="SpankyNotFound" initials="S" lastIdx="1" clrIdx="0">
+    <p:extLst>
+      <p:ext uri="{19B8F6BF-5375-455C-9EA6-DF929625EA0E}">
+        <p15:presenceInfo xmlns:p15="http://schemas.microsoft.com/office/powerpoint/2012/main" userId="91b7094824226080" providerId="Windows Live"/>
+      </p:ext>
+    </p:extLst>
+  </p:cmAuthor>
+</p:cmAuthorLst>
+</file>
+
+<file path=ppt/comments/comment1.xml><?xml version="1.0" encoding="utf-8"?>
+<p:cmLst xmlns:a="http://schemas.openxmlformats.org/drawingml/2006/main" xmlns:r="http://schemas.openxmlformats.org/officeDocument/2006/relationships" xmlns:p="http://schemas.openxmlformats.org/presentationml/2006/main">
+  <p:cm authorId="1" dt="2022-03-05T14:25:10.513" idx="1">
+    <p:pos x="5741" y="3285"/>
+    <p:text/>
+    <p:extLst>
+      <p:ext uri="{C676402C-5697-4E1C-873F-D02D1690AC5C}">
+        <p15:threadingInfo xmlns:p15="http://schemas.microsoft.com/office/powerpoint/2012/main" timeZoneBias="-300"/>
+      </p:ext>
+    </p:extLst>
+  </p:cm>
+</p:cmLst>
 </file>
 
 <file path=ppt/slideLayouts/slideLayout1.xml><?xml version="1.0" encoding="utf-8"?>
@@ -306,7 +341,7 @@
           <a:p>
             <a:fld id="{A3D01E54-776B-4895-9215-90979EEE5751}" type="datetimeFigureOut">
               <a:rPr lang="en-US" smtClean="0"/>
-              <a:t>3/3/2022</a:t>
+              <a:t>3/5/2022</a:t>
             </a:fld>
             <a:endParaRPr lang="en-US"/>
           </a:p>
@@ -581,7 +616,7 @@
           <a:p>
             <a:fld id="{A3D01E54-776B-4895-9215-90979EEE5751}" type="datetimeFigureOut">
               <a:rPr lang="en-US" smtClean="0"/>
-              <a:t>3/3/2022</a:t>
+              <a:t>3/5/2022</a:t>
             </a:fld>
             <a:endParaRPr lang="en-US"/>
           </a:p>
@@ -775,7 +810,7 @@
           <a:p>
             <a:fld id="{A3D01E54-776B-4895-9215-90979EEE5751}" type="datetimeFigureOut">
               <a:rPr lang="en-US" smtClean="0"/>
-              <a:t>3/3/2022</a:t>
+              <a:t>3/5/2022</a:t>
             </a:fld>
             <a:endParaRPr lang="en-US"/>
           </a:p>
@@ -1048,7 +1083,7 @@
           <a:p>
             <a:fld id="{A3D01E54-776B-4895-9215-90979EEE5751}" type="datetimeFigureOut">
               <a:rPr lang="en-US" smtClean="0"/>
-              <a:t>3/3/2022</a:t>
+              <a:t>3/5/2022</a:t>
             </a:fld>
             <a:endParaRPr lang="en-US"/>
           </a:p>
@@ -1389,7 +1424,7 @@
           <a:p>
             <a:fld id="{A3D01E54-776B-4895-9215-90979EEE5751}" type="datetimeFigureOut">
               <a:rPr lang="en-US" smtClean="0"/>
-              <a:t>3/3/2022</a:t>
+              <a:t>3/5/2022</a:t>
             </a:fld>
             <a:endParaRPr lang="en-US"/>
           </a:p>
@@ -2012,7 +2047,7 @@
           <a:p>
             <a:fld id="{A3D01E54-776B-4895-9215-90979EEE5751}" type="datetimeFigureOut">
               <a:rPr lang="en-US" smtClean="0"/>
-              <a:t>3/3/2022</a:t>
+              <a:t>3/5/2022</a:t>
             </a:fld>
             <a:endParaRPr lang="en-US"/>
           </a:p>
@@ -2872,7 +2907,7 @@
           <a:p>
             <a:fld id="{A3D01E54-776B-4895-9215-90979EEE5751}" type="datetimeFigureOut">
               <a:rPr lang="en-US" smtClean="0"/>
-              <a:t>3/3/2022</a:t>
+              <a:t>3/5/2022</a:t>
             </a:fld>
             <a:endParaRPr lang="en-US"/>
           </a:p>
@@ -3042,7 +3077,7 @@
           <a:p>
             <a:fld id="{A3D01E54-776B-4895-9215-90979EEE5751}" type="datetimeFigureOut">
               <a:rPr lang="en-US" smtClean="0"/>
-              <a:t>3/3/2022</a:t>
+              <a:t>3/5/2022</a:t>
             </a:fld>
             <a:endParaRPr lang="en-US"/>
           </a:p>
@@ -3222,7 +3257,7 @@
           <a:p>
             <a:fld id="{A3D01E54-776B-4895-9215-90979EEE5751}" type="datetimeFigureOut">
               <a:rPr lang="en-US" smtClean="0"/>
-              <a:t>3/3/2022</a:t>
+              <a:t>3/5/2022</a:t>
             </a:fld>
             <a:endParaRPr lang="en-US"/>
           </a:p>
@@ -3392,7 +3427,7 @@
           <a:p>
             <a:fld id="{A3D01E54-776B-4895-9215-90979EEE5751}" type="datetimeFigureOut">
               <a:rPr lang="en-US" smtClean="0"/>
-              <a:t>3/3/2022</a:t>
+              <a:t>3/5/2022</a:t>
             </a:fld>
             <a:endParaRPr lang="en-US"/>
           </a:p>
@@ -3639,7 +3674,7 @@
           <a:p>
             <a:fld id="{A3D01E54-776B-4895-9215-90979EEE5751}" type="datetimeFigureOut">
               <a:rPr lang="en-US" smtClean="0"/>
-              <a:t>3/3/2022</a:t>
+              <a:t>3/5/2022</a:t>
             </a:fld>
             <a:endParaRPr lang="en-US"/>
           </a:p>
@@ -3931,7 +3966,7 @@
           <a:p>
             <a:fld id="{A3D01E54-776B-4895-9215-90979EEE5751}" type="datetimeFigureOut">
               <a:rPr lang="en-US" smtClean="0"/>
-              <a:t>3/3/2022</a:t>
+              <a:t>3/5/2022</a:t>
             </a:fld>
             <a:endParaRPr lang="en-US"/>
           </a:p>
@@ -4375,7 +4410,7 @@
           <a:p>
             <a:fld id="{A3D01E54-776B-4895-9215-90979EEE5751}" type="datetimeFigureOut">
               <a:rPr lang="en-US" smtClean="0"/>
-              <a:t>3/3/2022</a:t>
+              <a:t>3/5/2022</a:t>
             </a:fld>
             <a:endParaRPr lang="en-US"/>
           </a:p>
@@ -4493,7 +4528,7 @@
           <a:p>
             <a:fld id="{A3D01E54-776B-4895-9215-90979EEE5751}" type="datetimeFigureOut">
               <a:rPr lang="en-US" smtClean="0"/>
-              <a:t>3/3/2022</a:t>
+              <a:t>3/5/2022</a:t>
             </a:fld>
             <a:endParaRPr lang="en-US"/>
           </a:p>
@@ -4588,7 +4623,7 @@
           <a:p>
             <a:fld id="{A3D01E54-776B-4895-9215-90979EEE5751}" type="datetimeFigureOut">
               <a:rPr lang="en-US" smtClean="0"/>
-              <a:t>3/3/2022</a:t>
+              <a:t>3/5/2022</a:t>
             </a:fld>
             <a:endParaRPr lang="en-US"/>
           </a:p>
@@ -4867,7 +4902,7 @@
           <a:p>
             <a:fld id="{A3D01E54-776B-4895-9215-90979EEE5751}" type="datetimeFigureOut">
               <a:rPr lang="en-US" smtClean="0"/>
-              <a:t>3/3/2022</a:t>
+              <a:t>3/5/2022</a:t>
             </a:fld>
             <a:endParaRPr lang="en-US"/>
           </a:p>
@@ -5142,7 +5177,7 @@
           <a:p>
             <a:fld id="{A3D01E54-776B-4895-9215-90979EEE5751}" type="datetimeFigureOut">
               <a:rPr lang="en-US" smtClean="0"/>
-              <a:t>3/3/2022</a:t>
+              <a:t>3/5/2022</a:t>
             </a:fld>
             <a:endParaRPr lang="en-US"/>
           </a:p>
@@ -5571,7 +5606,7 @@
           <a:p>
             <a:fld id="{A3D01E54-776B-4895-9215-90979EEE5751}" type="datetimeFigureOut">
               <a:rPr lang="en-US" smtClean="0"/>
-              <a:t>3/3/2022</a:t>
+              <a:t>3/5/2022</a:t>
             </a:fld>
             <a:endParaRPr lang="en-US"/>
           </a:p>
@@ -6924,6 +6959,847 @@
 </p:sld>
 </file>
 
+<file path=ppt/slides/slide15.xml><?xml version="1.0" encoding="utf-8"?>
+<p:sld xmlns:a="http://schemas.openxmlformats.org/drawingml/2006/main" xmlns:r="http://schemas.openxmlformats.org/officeDocument/2006/relationships" xmlns:p="http://schemas.openxmlformats.org/presentationml/2006/main">
+  <p:cSld>
+    <p:spTree>
+      <p:nvGrpSpPr>
+        <p:cNvPr id="1" name=""/>
+        <p:cNvGrpSpPr/>
+        <p:nvPr/>
+      </p:nvGrpSpPr>
+      <p:grpSpPr>
+        <a:xfrm>
+          <a:off x="0" y="0"/>
+          <a:ext cx="0" cy="0"/>
+          <a:chOff x="0" y="0"/>
+          <a:chExt cx="0" cy="0"/>
+        </a:xfrm>
+      </p:grpSpPr>
+      <p:sp>
+        <p:nvSpPr>
+          <p:cNvPr id="2" name="Title 1"/>
+          <p:cNvSpPr>
+            <a:spLocks noGrp="1"/>
+          </p:cNvSpPr>
+          <p:nvPr>
+            <p:ph type="title"/>
+          </p:nvPr>
+        </p:nvSpPr>
+        <p:spPr/>
+        <p:txBody>
+          <a:bodyPr/>
+          <a:lstStyle/>
+          <a:p>
+            <a:r>
+              <a:rPr lang="en-US" dirty="0" smtClean="0"/>
+              <a:t>Ad Manager</a:t>
+            </a:r>
+            <a:endParaRPr lang="en-US" dirty="0"/>
+          </a:p>
+        </p:txBody>
+      </p:sp>
+      <p:pic>
+        <p:nvPicPr>
+          <p:cNvPr id="4" name="Content Placeholder 3"/>
+          <p:cNvPicPr>
+            <a:picLocks noGrp="1" noChangeAspect="1"/>
+          </p:cNvPicPr>
+          <p:nvPr>
+            <p:ph idx="1"/>
+          </p:nvPr>
+        </p:nvPicPr>
+        <p:blipFill>
+          <a:blip r:embed="rId2">
+            <a:extLst>
+              <a:ext uri="{28A0092B-C50C-407E-A947-70E740481C1C}">
+                <a14:useLocalDpi xmlns:a14="http://schemas.microsoft.com/office/drawing/2010/main" val="0"/>
+              </a:ext>
+            </a:extLst>
+          </a:blip>
+          <a:stretch>
+            <a:fillRect/>
+          </a:stretch>
+        </p:blipFill>
+        <p:spPr>
+          <a:xfrm>
+            <a:off x="7832403" y="2125936"/>
+            <a:ext cx="3863778" cy="1041213"/>
+          </a:xfrm>
+        </p:spPr>
+      </p:pic>
+      <p:pic>
+        <p:nvPicPr>
+          <p:cNvPr id="5" name="Picture 4"/>
+          <p:cNvPicPr>
+            <a:picLocks noChangeAspect="1"/>
+          </p:cNvPicPr>
+          <p:nvPr/>
+        </p:nvPicPr>
+        <p:blipFill>
+          <a:blip r:embed="rId3">
+            <a:extLst>
+              <a:ext uri="{28A0092B-C50C-407E-A947-70E740481C1C}">
+                <a14:useLocalDpi xmlns:a14="http://schemas.microsoft.com/office/drawing/2010/main" val="0"/>
+              </a:ext>
+            </a:extLst>
+          </a:blip>
+          <a:stretch>
+            <a:fillRect/>
+          </a:stretch>
+        </p:blipFill>
+        <p:spPr>
+          <a:xfrm>
+            <a:off x="7832402" y="3623916"/>
+            <a:ext cx="3948873" cy="1529975"/>
+          </a:xfrm>
+          <a:prstGeom prst="rect">
+            <a:avLst/>
+          </a:prstGeom>
+        </p:spPr>
+      </p:pic>
+      <p:sp>
+        <p:nvSpPr>
+          <p:cNvPr id="6" name="TextBox 5"/>
+          <p:cNvSpPr txBox="1"/>
+          <p:nvPr/>
+        </p:nvSpPr>
+        <p:spPr>
+          <a:xfrm>
+            <a:off x="739832" y="2743200"/>
+            <a:ext cx="6733309" cy="2585323"/>
+          </a:xfrm>
+          <a:prstGeom prst="rect">
+            <a:avLst/>
+          </a:prstGeom>
+          <a:noFill/>
+        </p:spPr>
+        <p:txBody>
+          <a:bodyPr wrap="square" rtlCol="0">
+            <a:spAutoFit/>
+          </a:bodyPr>
+          <a:lstStyle/>
+          <a:p>
+            <a:r>
+              <a:rPr lang="en-US" dirty="0" smtClean="0"/>
+              <a:t>Last Component is </a:t>
+            </a:r>
+            <a:r>
+              <a:rPr lang="en-US" dirty="0" err="1" smtClean="0"/>
+              <a:t>Admanger</a:t>
+            </a:r>
+            <a:r>
+              <a:rPr lang="en-US" dirty="0" smtClean="0"/>
+              <a:t> holding to values</a:t>
+            </a:r>
+          </a:p>
+          <a:p>
+            <a:pPr marL="342900" indent="-342900">
+              <a:buFont typeface="+mj-lt"/>
+              <a:buAutoNum type="arabicPeriod"/>
+            </a:pPr>
+            <a:r>
+              <a:rPr lang="en-US" dirty="0" smtClean="0"/>
+              <a:t>Ad unit Id : which is set to fake id by </a:t>
+            </a:r>
+            <a:r>
+              <a:rPr lang="en-US" dirty="0" err="1" smtClean="0"/>
+              <a:t>deflaut</a:t>
+            </a:r>
+            <a:r>
+              <a:rPr lang="en-US" dirty="0" smtClean="0"/>
+              <a:t> and you can set it to your own.</a:t>
+            </a:r>
+          </a:p>
+          <a:p>
+            <a:pPr marL="342900" indent="-342900">
+              <a:buFont typeface="+mj-lt"/>
+              <a:buAutoNum type="arabicPeriod"/>
+            </a:pPr>
+            <a:r>
+              <a:rPr lang="en-US" dirty="0" smtClean="0"/>
+              <a:t>Second is the button which appear after video is made and user can click it to double up the revenue. This button will be disabled if ad is not </a:t>
+            </a:r>
+            <a:r>
+              <a:rPr lang="en-US" dirty="0" err="1" smtClean="0"/>
+              <a:t>avaible</a:t>
+            </a:r>
+            <a:r>
+              <a:rPr lang="en-US" dirty="0" smtClean="0"/>
+              <a:t>.</a:t>
+            </a:r>
+          </a:p>
+          <a:p>
+            <a:pPr marL="342900" indent="-342900">
+              <a:buFont typeface="Wingdings" panose="05000000000000000000" pitchFamily="2" charset="2"/>
+              <a:buChar char="q"/>
+            </a:pPr>
+            <a:r>
+              <a:rPr lang="en-US" dirty="0" smtClean="0"/>
+              <a:t>To change the app id(not ad id) go to </a:t>
+            </a:r>
+          </a:p>
+          <a:p>
+            <a:r>
+              <a:rPr lang="en-US" dirty="0" smtClean="0"/>
+              <a:t>      Assets &gt; Google Mobile Ads &gt; Setting : Android and ISO both are there.  </a:t>
+            </a:r>
+            <a:endParaRPr lang="en-US" dirty="0"/>
+          </a:p>
+        </p:txBody>
+      </p:sp>
+    </p:spTree>
+    <p:extLst>
+      <p:ext uri="{BB962C8B-B14F-4D97-AF65-F5344CB8AC3E}">
+        <p14:creationId xmlns:p14="http://schemas.microsoft.com/office/powerpoint/2010/main" val="2637814246"/>
+      </p:ext>
+    </p:extLst>
+  </p:cSld>
+  <p:clrMapOvr>
+    <a:masterClrMapping/>
+  </p:clrMapOvr>
+</p:sld>
+</file>
+
+<file path=ppt/slides/slide16.xml><?xml version="1.0" encoding="utf-8"?>
+<p:sld xmlns:a="http://schemas.openxmlformats.org/drawingml/2006/main" xmlns:r="http://schemas.openxmlformats.org/officeDocument/2006/relationships" xmlns:p="http://schemas.openxmlformats.org/presentationml/2006/main">
+  <p:cSld>
+    <p:spTree>
+      <p:nvGrpSpPr>
+        <p:cNvPr id="1" name=""/>
+        <p:cNvGrpSpPr/>
+        <p:nvPr/>
+      </p:nvGrpSpPr>
+      <p:grpSpPr>
+        <a:xfrm>
+          <a:off x="0" y="0"/>
+          <a:ext cx="0" cy="0"/>
+          <a:chOff x="0" y="0"/>
+          <a:chExt cx="0" cy="0"/>
+        </a:xfrm>
+      </p:grpSpPr>
+      <p:sp>
+        <p:nvSpPr>
+          <p:cNvPr id="2" name="Title 1"/>
+          <p:cNvSpPr>
+            <a:spLocks noGrp="1"/>
+          </p:cNvSpPr>
+          <p:nvPr>
+            <p:ph type="title"/>
+          </p:nvPr>
+        </p:nvSpPr>
+        <p:spPr/>
+        <p:txBody>
+          <a:bodyPr/>
+          <a:lstStyle/>
+          <a:p>
+            <a:r>
+              <a:rPr lang="en-US" dirty="0" smtClean="0"/>
+              <a:t>Social Links</a:t>
+            </a:r>
+            <a:endParaRPr lang="en-US" dirty="0"/>
+          </a:p>
+        </p:txBody>
+      </p:sp>
+      <p:pic>
+        <p:nvPicPr>
+          <p:cNvPr id="4" name="Content Placeholder 3"/>
+          <p:cNvPicPr>
+            <a:picLocks noGrp="1" noChangeAspect="1"/>
+          </p:cNvPicPr>
+          <p:nvPr>
+            <p:ph idx="1"/>
+          </p:nvPr>
+        </p:nvPicPr>
+        <p:blipFill>
+          <a:blip r:embed="rId2">
+            <a:extLst>
+              <a:ext uri="{28A0092B-C50C-407E-A947-70E740481C1C}">
+                <a14:useLocalDpi xmlns:a14="http://schemas.microsoft.com/office/drawing/2010/main" val="0"/>
+              </a:ext>
+            </a:extLst>
+          </a:blip>
+          <a:stretch>
+            <a:fillRect/>
+          </a:stretch>
+        </p:blipFill>
+        <p:spPr>
+          <a:xfrm>
+            <a:off x="5191299" y="2275202"/>
+            <a:ext cx="2981325" cy="2200275"/>
+          </a:xfrm>
+        </p:spPr>
+      </p:pic>
+      <p:pic>
+        <p:nvPicPr>
+          <p:cNvPr id="5" name="Picture 4"/>
+          <p:cNvPicPr>
+            <a:picLocks noChangeAspect="1"/>
+          </p:cNvPicPr>
+          <p:nvPr/>
+        </p:nvPicPr>
+        <p:blipFill>
+          <a:blip r:embed="rId3">
+            <a:extLst>
+              <a:ext uri="{28A0092B-C50C-407E-A947-70E740481C1C}">
+                <a14:useLocalDpi xmlns:a14="http://schemas.microsoft.com/office/drawing/2010/main" val="0"/>
+              </a:ext>
+            </a:extLst>
+          </a:blip>
+          <a:stretch>
+            <a:fillRect/>
+          </a:stretch>
+        </p:blipFill>
+        <p:spPr>
+          <a:xfrm>
+            <a:off x="8628684" y="2133488"/>
+            <a:ext cx="2844299" cy="3451645"/>
+          </a:xfrm>
+          <a:prstGeom prst="rect">
+            <a:avLst/>
+          </a:prstGeom>
+        </p:spPr>
+      </p:pic>
+      <p:sp>
+        <p:nvSpPr>
+          <p:cNvPr id="8" name="Right Arrow 7"/>
+          <p:cNvSpPr/>
+          <p:nvPr/>
+        </p:nvSpPr>
+        <p:spPr>
+          <a:xfrm rot="566497">
+            <a:off x="4746143" y="3565002"/>
+            <a:ext cx="989214" cy="214625"/>
+          </a:xfrm>
+          <a:prstGeom prst="rightArrow">
+            <a:avLst/>
+          </a:prstGeom>
+        </p:spPr>
+        <p:style>
+          <a:lnRef idx="2">
+            <a:schemeClr val="dk1">
+              <a:shade val="50000"/>
+            </a:schemeClr>
+          </a:lnRef>
+          <a:fillRef idx="1">
+            <a:schemeClr val="dk1"/>
+          </a:fillRef>
+          <a:effectRef idx="0">
+            <a:schemeClr val="dk1"/>
+          </a:effectRef>
+          <a:fontRef idx="minor">
+            <a:schemeClr val="lt1"/>
+          </a:fontRef>
+        </p:style>
+        <p:txBody>
+          <a:bodyPr rtlCol="0" anchor="ctr"/>
+          <a:lstStyle/>
+          <a:p>
+            <a:pPr algn="ctr"/>
+            <a:endParaRPr lang="en-US"/>
+          </a:p>
+        </p:txBody>
+      </p:sp>
+      <p:sp>
+        <p:nvSpPr>
+          <p:cNvPr id="9" name="Right Arrow 8"/>
+          <p:cNvSpPr/>
+          <p:nvPr/>
+        </p:nvSpPr>
+        <p:spPr>
+          <a:xfrm rot="20466646">
+            <a:off x="8485616" y="5311739"/>
+            <a:ext cx="1039091" cy="257695"/>
+          </a:xfrm>
+          <a:prstGeom prst="rightArrow">
+            <a:avLst/>
+          </a:prstGeom>
+        </p:spPr>
+        <p:style>
+          <a:lnRef idx="2">
+            <a:schemeClr val="accent1">
+              <a:shade val="50000"/>
+            </a:schemeClr>
+          </a:lnRef>
+          <a:fillRef idx="1">
+            <a:schemeClr val="accent1"/>
+          </a:fillRef>
+          <a:effectRef idx="0">
+            <a:schemeClr val="accent1"/>
+          </a:effectRef>
+          <a:fontRef idx="minor">
+            <a:schemeClr val="lt1"/>
+          </a:fontRef>
+        </p:style>
+        <p:txBody>
+          <a:bodyPr rtlCol="0" anchor="ctr"/>
+          <a:lstStyle/>
+          <a:p>
+            <a:pPr algn="ctr"/>
+            <a:endParaRPr lang="en-US"/>
+          </a:p>
+        </p:txBody>
+      </p:sp>
+      <p:sp>
+        <p:nvSpPr>
+          <p:cNvPr id="10" name="TextBox 9"/>
+          <p:cNvSpPr txBox="1"/>
+          <p:nvPr/>
+        </p:nvSpPr>
+        <p:spPr>
+          <a:xfrm>
+            <a:off x="1005840" y="2460567"/>
+            <a:ext cx="2934393" cy="2585323"/>
+          </a:xfrm>
+          <a:prstGeom prst="rect">
+            <a:avLst/>
+          </a:prstGeom>
+          <a:noFill/>
+        </p:spPr>
+        <p:txBody>
+          <a:bodyPr wrap="square" rtlCol="0">
+            <a:spAutoFit/>
+          </a:bodyPr>
+          <a:lstStyle/>
+          <a:p>
+            <a:r>
+              <a:rPr lang="en-US" dirty="0" smtClean="0"/>
+              <a:t>To change the links go to </a:t>
+            </a:r>
+          </a:p>
+          <a:p>
+            <a:r>
+              <a:rPr lang="en-US" dirty="0" err="1" smtClean="0"/>
+              <a:t>Ui</a:t>
+            </a:r>
+            <a:r>
+              <a:rPr lang="en-US" dirty="0" smtClean="0"/>
+              <a:t> Canvas &gt; Setting &gt; Container &gt; </a:t>
+            </a:r>
+            <a:r>
+              <a:rPr lang="en-US" dirty="0" err="1" smtClean="0"/>
+              <a:t>GameObject</a:t>
+            </a:r>
+            <a:endParaRPr lang="en-US" dirty="0"/>
+          </a:p>
+          <a:p>
+            <a:r>
+              <a:rPr lang="en-US" dirty="0" smtClean="0"/>
+              <a:t>Any platform you </a:t>
+            </a:r>
+            <a:r>
+              <a:rPr lang="en-US" dirty="0" err="1" smtClean="0"/>
+              <a:t>wanna</a:t>
+            </a:r>
+            <a:r>
+              <a:rPr lang="en-US" dirty="0" smtClean="0"/>
+              <a:t> change &gt; then in inspector change this text shown in image</a:t>
+            </a:r>
+            <a:endParaRPr lang="en-US" dirty="0"/>
+          </a:p>
+        </p:txBody>
+      </p:sp>
+    </p:spTree>
+    <p:extLst>
+      <p:ext uri="{BB962C8B-B14F-4D97-AF65-F5344CB8AC3E}">
+        <p14:creationId xmlns:p14="http://schemas.microsoft.com/office/powerpoint/2010/main" val="4119657609"/>
+      </p:ext>
+    </p:extLst>
+  </p:cSld>
+  <p:clrMapOvr>
+    <a:masterClrMapping/>
+  </p:clrMapOvr>
+</p:sld>
+</file>
+
+<file path=ppt/slides/slide17.xml><?xml version="1.0" encoding="utf-8"?>
+<p:sld xmlns:a="http://schemas.openxmlformats.org/drawingml/2006/main" xmlns:r="http://schemas.openxmlformats.org/officeDocument/2006/relationships" xmlns:p="http://schemas.openxmlformats.org/presentationml/2006/main">
+  <p:cSld>
+    <p:spTree>
+      <p:nvGrpSpPr>
+        <p:cNvPr id="1" name=""/>
+        <p:cNvGrpSpPr/>
+        <p:nvPr/>
+      </p:nvGrpSpPr>
+      <p:grpSpPr>
+        <a:xfrm>
+          <a:off x="0" y="0"/>
+          <a:ext cx="0" cy="0"/>
+          <a:chOff x="0" y="0"/>
+          <a:chExt cx="0" cy="0"/>
+        </a:xfrm>
+      </p:grpSpPr>
+      <p:sp>
+        <p:nvSpPr>
+          <p:cNvPr id="2" name="Title 1"/>
+          <p:cNvSpPr>
+            <a:spLocks noGrp="1"/>
+          </p:cNvSpPr>
+          <p:nvPr>
+            <p:ph type="title"/>
+          </p:nvPr>
+        </p:nvSpPr>
+        <p:spPr/>
+        <p:txBody>
+          <a:bodyPr/>
+          <a:lstStyle/>
+          <a:p>
+            <a:r>
+              <a:rPr lang="en-US" dirty="0" smtClean="0"/>
+              <a:t>Splash Screen</a:t>
+            </a:r>
+            <a:endParaRPr lang="en-US" dirty="0"/>
+          </a:p>
+        </p:txBody>
+      </p:sp>
+      <p:pic>
+        <p:nvPicPr>
+          <p:cNvPr id="4" name="Content Placeholder 3"/>
+          <p:cNvPicPr>
+            <a:picLocks noGrp="1" noChangeAspect="1"/>
+          </p:cNvPicPr>
+          <p:nvPr>
+            <p:ph idx="1"/>
+          </p:nvPr>
+        </p:nvPicPr>
+        <p:blipFill>
+          <a:blip r:embed="rId2">
+            <a:extLst>
+              <a:ext uri="{28A0092B-C50C-407E-A947-70E740481C1C}">
+                <a14:useLocalDpi xmlns:a14="http://schemas.microsoft.com/office/drawing/2010/main" val="0"/>
+              </a:ext>
+            </a:extLst>
+          </a:blip>
+          <a:stretch>
+            <a:fillRect/>
+          </a:stretch>
+        </p:blipFill>
+        <p:spPr>
+          <a:xfrm>
+            <a:off x="7344901" y="294019"/>
+            <a:ext cx="2914650" cy="1362075"/>
+          </a:xfrm>
+        </p:spPr>
+      </p:pic>
+      <p:pic>
+        <p:nvPicPr>
+          <p:cNvPr id="5" name="Picture 4"/>
+          <p:cNvPicPr>
+            <a:picLocks noChangeAspect="1"/>
+          </p:cNvPicPr>
+          <p:nvPr/>
+        </p:nvPicPr>
+        <p:blipFill>
+          <a:blip r:embed="rId3">
+            <a:extLst>
+              <a:ext uri="{28A0092B-C50C-407E-A947-70E740481C1C}">
+                <a14:useLocalDpi xmlns:a14="http://schemas.microsoft.com/office/drawing/2010/main" val="0"/>
+              </a:ext>
+            </a:extLst>
+          </a:blip>
+          <a:stretch>
+            <a:fillRect/>
+          </a:stretch>
+        </p:blipFill>
+        <p:spPr>
+          <a:xfrm>
+            <a:off x="7344901" y="1738313"/>
+            <a:ext cx="2347739" cy="5048818"/>
+          </a:xfrm>
+          <a:prstGeom prst="rect">
+            <a:avLst/>
+          </a:prstGeom>
+        </p:spPr>
+      </p:pic>
+      <p:sp>
+        <p:nvSpPr>
+          <p:cNvPr id="6" name="Rounded Rectangular Callout 5"/>
+          <p:cNvSpPr/>
+          <p:nvPr/>
+        </p:nvSpPr>
+        <p:spPr>
+          <a:xfrm>
+            <a:off x="7988531" y="3133898"/>
+            <a:ext cx="947651" cy="390699"/>
+          </a:xfrm>
+          <a:prstGeom prst="wedgeRoundRectCallout">
+            <a:avLst/>
+          </a:prstGeom>
+        </p:spPr>
+        <p:style>
+          <a:lnRef idx="2">
+            <a:schemeClr val="dk1"/>
+          </a:lnRef>
+          <a:fillRef idx="1">
+            <a:schemeClr val="lt1"/>
+          </a:fillRef>
+          <a:effectRef idx="0">
+            <a:schemeClr val="dk1"/>
+          </a:effectRef>
+          <a:fontRef idx="minor">
+            <a:schemeClr val="dk1"/>
+          </a:fontRef>
+        </p:style>
+        <p:txBody>
+          <a:bodyPr rtlCol="0" anchor="ctr"/>
+          <a:lstStyle/>
+          <a:p>
+            <a:pPr algn="ctr"/>
+            <a:r>
+              <a:rPr lang="en-US" dirty="0" smtClean="0"/>
+              <a:t>Logo</a:t>
+            </a:r>
+          </a:p>
+        </p:txBody>
+      </p:sp>
+      <p:sp>
+        <p:nvSpPr>
+          <p:cNvPr id="7" name="Rounded Rectangular Callout 6"/>
+          <p:cNvSpPr/>
+          <p:nvPr/>
+        </p:nvSpPr>
+        <p:spPr>
+          <a:xfrm>
+            <a:off x="8165869" y="5214850"/>
+            <a:ext cx="947651" cy="390699"/>
+          </a:xfrm>
+          <a:prstGeom prst="wedgeRoundRectCallout">
+            <a:avLst/>
+          </a:prstGeom>
+        </p:spPr>
+        <p:style>
+          <a:lnRef idx="2">
+            <a:schemeClr val="dk1"/>
+          </a:lnRef>
+          <a:fillRef idx="1">
+            <a:schemeClr val="lt1"/>
+          </a:fillRef>
+          <a:effectRef idx="0">
+            <a:schemeClr val="dk1"/>
+          </a:effectRef>
+          <a:fontRef idx="minor">
+            <a:schemeClr val="dk1"/>
+          </a:fontRef>
+        </p:style>
+        <p:txBody>
+          <a:bodyPr rtlCol="0" anchor="ctr"/>
+          <a:lstStyle/>
+          <a:p>
+            <a:pPr algn="ctr"/>
+            <a:r>
+              <a:rPr lang="en-US" sz="1200" b="1" dirty="0" smtClean="0"/>
+              <a:t>TEXT(TMP)</a:t>
+            </a:r>
+            <a:endParaRPr lang="en-US" sz="1200" b="1" dirty="0"/>
+          </a:p>
+        </p:txBody>
+      </p:sp>
+      <p:pic>
+        <p:nvPicPr>
+          <p:cNvPr id="8" name="Picture 7"/>
+          <p:cNvPicPr>
+            <a:picLocks noChangeAspect="1"/>
+          </p:cNvPicPr>
+          <p:nvPr/>
+        </p:nvPicPr>
+        <p:blipFill>
+          <a:blip r:embed="rId4">
+            <a:extLst>
+              <a:ext uri="{28A0092B-C50C-407E-A947-70E740481C1C}">
+                <a14:useLocalDpi xmlns:a14="http://schemas.microsoft.com/office/drawing/2010/main" val="0"/>
+              </a:ext>
+            </a:extLst>
+          </a:blip>
+          <a:stretch>
+            <a:fillRect/>
+          </a:stretch>
+        </p:blipFill>
+        <p:spPr>
+          <a:xfrm>
+            <a:off x="413412" y="4262722"/>
+            <a:ext cx="6305550" cy="1428750"/>
+          </a:xfrm>
+          <a:prstGeom prst="rect">
+            <a:avLst/>
+          </a:prstGeom>
+        </p:spPr>
+      </p:pic>
+      <p:sp>
+        <p:nvSpPr>
+          <p:cNvPr id="9" name="TextBox 8"/>
+          <p:cNvSpPr txBox="1"/>
+          <p:nvPr/>
+        </p:nvSpPr>
+        <p:spPr>
+          <a:xfrm>
+            <a:off x="646111" y="2959331"/>
+            <a:ext cx="4854214" cy="646331"/>
+          </a:xfrm>
+          <a:prstGeom prst="rect">
+            <a:avLst/>
+          </a:prstGeom>
+          <a:noFill/>
+        </p:spPr>
+        <p:txBody>
+          <a:bodyPr wrap="none" rtlCol="0">
+            <a:spAutoFit/>
+          </a:bodyPr>
+          <a:lstStyle/>
+          <a:p>
+            <a:r>
+              <a:rPr lang="en-US" dirty="0" smtClean="0"/>
+              <a:t>To change the splash screen setting go to</a:t>
+            </a:r>
+          </a:p>
+          <a:p>
+            <a:r>
+              <a:rPr lang="en-US" dirty="0" err="1" smtClean="0"/>
+              <a:t>UIManager</a:t>
+            </a:r>
+            <a:r>
+              <a:rPr lang="en-US" dirty="0" smtClean="0"/>
+              <a:t> </a:t>
+            </a:r>
+            <a:r>
+              <a:rPr lang="en-US" smtClean="0"/>
+              <a:t>&gt; Start()</a:t>
+            </a:r>
+            <a:endParaRPr lang="en-US" dirty="0"/>
+          </a:p>
+        </p:txBody>
+      </p:sp>
+    </p:spTree>
+    <p:extLst>
+      <p:ext uri="{BB962C8B-B14F-4D97-AF65-F5344CB8AC3E}">
+        <p14:creationId xmlns:p14="http://schemas.microsoft.com/office/powerpoint/2010/main" val="3085064007"/>
+      </p:ext>
+    </p:extLst>
+  </p:cSld>
+  <p:clrMapOvr>
+    <a:masterClrMapping/>
+  </p:clrMapOvr>
+</p:sld>
+</file>
+
+<file path=ppt/slides/slide18.xml><?xml version="1.0" encoding="utf-8"?>
+<p:sld xmlns:a="http://schemas.openxmlformats.org/drawingml/2006/main" xmlns:r="http://schemas.openxmlformats.org/officeDocument/2006/relationships" xmlns:p="http://schemas.openxmlformats.org/presentationml/2006/main">
+  <p:cSld>
+    <p:spTree>
+      <p:nvGrpSpPr>
+        <p:cNvPr id="1" name=""/>
+        <p:cNvGrpSpPr/>
+        <p:nvPr/>
+      </p:nvGrpSpPr>
+      <p:grpSpPr>
+        <a:xfrm>
+          <a:off x="0" y="0"/>
+          <a:ext cx="0" cy="0"/>
+          <a:chOff x="0" y="0"/>
+          <a:chExt cx="0" cy="0"/>
+        </a:xfrm>
+      </p:grpSpPr>
+      <p:sp>
+        <p:nvSpPr>
+          <p:cNvPr id="2" name="Title 1"/>
+          <p:cNvSpPr>
+            <a:spLocks noGrp="1"/>
+          </p:cNvSpPr>
+          <p:nvPr>
+            <p:ph type="title"/>
+          </p:nvPr>
+        </p:nvSpPr>
+        <p:spPr/>
+        <p:txBody>
+          <a:bodyPr/>
+          <a:lstStyle/>
+          <a:p>
+            <a:pPr algn="ctr"/>
+            <a:r>
+              <a:rPr lang="en-US" b="1" dirty="0" smtClean="0"/>
+              <a:t>Last Words</a:t>
+            </a:r>
+            <a:endParaRPr lang="en-US" b="1" dirty="0"/>
+          </a:p>
+        </p:txBody>
+      </p:sp>
+      <p:sp>
+        <p:nvSpPr>
+          <p:cNvPr id="3" name="Content Placeholder 2"/>
+          <p:cNvSpPr>
+            <a:spLocks noGrp="1"/>
+          </p:cNvSpPr>
+          <p:nvPr>
+            <p:ph idx="1"/>
+          </p:nvPr>
+        </p:nvSpPr>
+        <p:spPr/>
+        <p:txBody>
+          <a:bodyPr/>
+          <a:lstStyle/>
+          <a:p>
+            <a:r>
+              <a:rPr lang="en-US" dirty="0" smtClean="0"/>
+              <a:t>Hope You like the final progress </a:t>
+            </a:r>
+          </a:p>
+          <a:p>
+            <a:r>
+              <a:rPr lang="en-US" dirty="0" smtClean="0"/>
+              <a:t>Still you find any bug or issue please do contact </a:t>
+            </a:r>
+          </a:p>
+          <a:p>
+            <a:r>
+              <a:rPr lang="en-US" dirty="0" smtClean="0"/>
+              <a:t>Any bug or issue is on me I will get back to you as soon as possible.</a:t>
+            </a:r>
+          </a:p>
+          <a:p>
+            <a:r>
+              <a:rPr lang="en-US" dirty="0" smtClean="0"/>
+              <a:t>If you have any developer for future work and he need any guide for my code I will be up for him.</a:t>
+            </a:r>
+          </a:p>
+          <a:p>
+            <a:pPr marL="0" indent="0">
+              <a:buNone/>
+            </a:pPr>
+            <a:endParaRPr lang="en-US" dirty="0" smtClean="0"/>
+          </a:p>
+          <a:p>
+            <a:pPr marL="0" indent="0">
+              <a:buNone/>
+            </a:pPr>
+            <a:r>
+              <a:rPr lang="en-US" dirty="0" smtClean="0"/>
+              <a:t>Thank you very much for choosing me for your work and hope we will work in future .</a:t>
+            </a:r>
+          </a:p>
+          <a:p>
+            <a:pPr marL="0" indent="0">
+              <a:buNone/>
+            </a:pPr>
+            <a:r>
+              <a:rPr lang="en-US" dirty="0" smtClean="0"/>
+              <a:t>Have a very good day.</a:t>
+            </a:r>
+            <a:endParaRPr lang="en-US" dirty="0"/>
+          </a:p>
+        </p:txBody>
+      </p:sp>
+    </p:spTree>
+    <p:extLst>
+      <p:ext uri="{BB962C8B-B14F-4D97-AF65-F5344CB8AC3E}">
+        <p14:creationId xmlns:p14="http://schemas.microsoft.com/office/powerpoint/2010/main" val="674930007"/>
+      </p:ext>
+    </p:extLst>
+  </p:cSld>
+  <p:clrMapOvr>
+    <a:masterClrMapping/>
+  </p:clrMapOvr>
+</p:sld>
+</file>
+
 <file path=ppt/slides/slide2.xml><?xml version="1.0" encoding="utf-8"?>
 <p:sld xmlns:a="http://schemas.openxmlformats.org/drawingml/2006/main" xmlns:r="http://schemas.openxmlformats.org/officeDocument/2006/relationships" xmlns:p="http://schemas.openxmlformats.org/presentationml/2006/main">
   <p:cSld>
